--- a/Presentation.pptx
+++ b/Presentation.pptx
@@ -3398,7 +3398,7 @@
                   <a:schemeClr val="bg1"/>
                 </a:solidFill>
               </a:rPr>
-              <a:t>Doggy World!</a:t>
+              <a:t>Jacinto’s Magical Doggy World!</a:t>
             </a:r>
           </a:p>
         </p:txBody>
@@ -3425,18 +3425,13 @@
           <a:lstStyle/>
           <a:p>
             <a:r>
-              <a:rPr lang="en-US">
+              <a:rPr lang="en-US" dirty="0">
                 <a:solidFill>
                   <a:schemeClr val="bg1"/>
                 </a:solidFill>
               </a:rPr>
               <a:t>Jacinto Mendoza</a:t>
             </a:r>
-            <a:endParaRPr lang="en-US" dirty="0">
-              <a:solidFill>
-                <a:schemeClr val="bg1"/>
-              </a:solidFill>
-            </a:endParaRPr>
           </a:p>
         </p:txBody>
       </p:sp>
@@ -10545,8 +10540,8 @@
         </p:nvSpPr>
         <p:spPr>
           <a:xfrm>
-            <a:off x="1137034" y="2194101"/>
-            <a:ext cx="6433805" cy="3908585"/>
+            <a:off x="1137034" y="2194100"/>
+            <a:ext cx="6433805" cy="4236977"/>
           </a:xfrm>
         </p:spPr>
         <p:txBody>
@@ -10705,6 +10700,21 @@
               </a:rPr>
               <a:t>Other solution: creating a key-word search that maps to ID which could pass to Search API</a:t>
             </a:r>
+          </a:p>
+          <a:p>
+            <a:r>
+              <a:rPr lang="en-US" sz="2000">
+                <a:solidFill>
+                  <a:schemeClr val="bg1"/>
+                </a:solidFill>
+              </a:rPr>
+              <a:t>Placeholder issues</a:t>
+            </a:r>
+            <a:endParaRPr lang="en-US" sz="2000" dirty="0">
+              <a:solidFill>
+                <a:schemeClr val="bg1"/>
+              </a:solidFill>
+            </a:endParaRPr>
           </a:p>
         </p:txBody>
       </p:sp>
@@ -10963,28 +10973,8 @@
                   <a:schemeClr val="bg1"/>
                 </a:solidFill>
               </a:rPr>
-              <a:t>Add filter and search options w</a:t>
+              <a:t>Add filter and search options w/API</a:t>
             </a:r>
-            <a:r>
-              <a:rPr lang="en-US">
-                <a:solidFill>
-                  <a:schemeClr val="bg1"/>
-                </a:solidFill>
-              </a:rPr>
-              <a:t>/API</a:t>
-            </a:r>
-            <a:endParaRPr lang="en-US" dirty="0">
-              <a:solidFill>
-                <a:schemeClr val="bg1"/>
-              </a:solidFill>
-            </a:endParaRPr>
-          </a:p>
-          <a:p>
-            <a:endParaRPr lang="en-US" dirty="0">
-              <a:solidFill>
-                <a:schemeClr val="bg1"/>
-              </a:solidFill>
-            </a:endParaRPr>
           </a:p>
         </p:txBody>
       </p:sp>
@@ -11016,8 +11006,8 @@
         </p:blipFill>
         <p:spPr>
           <a:xfrm>
-            <a:off x="7981950" y="3286125"/>
-            <a:ext cx="4333875" cy="4333875"/>
+            <a:off x="5642161" y="1690688"/>
+            <a:ext cx="5935756" cy="5935756"/>
           </a:xfrm>
           <a:prstGeom prst="rect">
             <a:avLst/>

--- a/Presentation.pptx
+++ b/Presentation.pptx
@@ -11,7 +11,8 @@
     <p:sldId id="259" r:id="rId5"/>
     <p:sldId id="260" r:id="rId6"/>
     <p:sldId id="264" r:id="rId7"/>
-    <p:sldId id="263" r:id="rId8"/>
+    <p:sldId id="265" r:id="rId8"/>
+    <p:sldId id="263" r:id="rId9"/>
   </p:sldIdLst>
   <p:sldSz cx="12192000" cy="6858000"/>
   <p:notesSz cx="6858000" cy="9144000"/>
@@ -110,15 +111,142 @@
       </a:defRPr>
     </a:lvl9pPr>
   </p:defaultTextStyle>
+  <p:extLst>
+    <p:ext uri="{EFAFB233-063F-42B5-8137-9DF3F51BA10A}">
+      <p15:sldGuideLst xmlns:p15="http://schemas.microsoft.com/office/powerpoint/2012/main"/>
+    </p:ext>
+  </p:extLst>
 </p:presentation>
 </file>
 
 <file path=ppt/revisionInfo.xml><?xml version="1.0" encoding="utf-8"?>
 <p1510:revInfo xmlns:a="http://schemas.openxmlformats.org/drawingml/2006/main" xmlns:r="http://schemas.openxmlformats.org/officeDocument/2006/relationships" xmlns:p1510="http://schemas.microsoft.com/office/powerpoint/2015/10/main">
   <p1510:revLst>
-    <p1510:client id="{595357F8-4E06-7648-9B89-0B13353751DA}" v="630" dt="2021-11-19T18:46:55.641"/>
+    <p1510:client id="{595357F8-4E06-7648-9B89-0B13353751DA}" v="634" dt="2021-11-24T15:56:28.605"/>
   </p1510:revLst>
 </p1510:revInfo>
+</file>
+
+<file path=ppt/changesInfos/changesInfo1.xml><?xml version="1.0" encoding="utf-8"?>
+<pc:chgInfo xmlns:a="http://schemas.openxmlformats.org/drawingml/2006/main" xmlns:r="http://schemas.openxmlformats.org/officeDocument/2006/relationships" xmlns:ac="http://schemas.microsoft.com/office/drawing/2013/main/command" xmlns:pc="http://schemas.microsoft.com/office/powerpoint/2013/main/command">
+  <pc:docChgLst>
+    <pc:chgData name="Jacinto Mendoza" userId="f5637dde-7468-4c3d-b23b-53be98cdc915" providerId="ADAL" clId="{595357F8-4E06-7648-9B89-0B13353751DA}"/>
+    <pc:docChg chg="undo custSel addSld delSld modSld">
+      <pc:chgData name="Jacinto Mendoza" userId="f5637dde-7468-4c3d-b23b-53be98cdc915" providerId="ADAL" clId="{595357F8-4E06-7648-9B89-0B13353751DA}" dt="2021-11-24T16:00:35.879" v="432" actId="20577"/>
+      <pc:docMkLst>
+        <pc:docMk/>
+      </pc:docMkLst>
+      <pc:sldChg chg="addSp delSp modSp mod setBg setClrOvrMap">
+        <pc:chgData name="Jacinto Mendoza" userId="f5637dde-7468-4c3d-b23b-53be98cdc915" providerId="ADAL" clId="{595357F8-4E06-7648-9B89-0B13353751DA}" dt="2021-11-24T15:56:39.868" v="399" actId="26606"/>
+        <pc:sldMkLst>
+          <pc:docMk/>
+          <pc:sldMk cId="1772782941" sldId="264"/>
+        </pc:sldMkLst>
+        <pc:spChg chg="mod">
+          <ac:chgData name="Jacinto Mendoza" userId="f5637dde-7468-4c3d-b23b-53be98cdc915" providerId="ADAL" clId="{595357F8-4E06-7648-9B89-0B13353751DA}" dt="2021-11-24T15:56:39.868" v="399" actId="26606"/>
+          <ac:spMkLst>
+            <pc:docMk/>
+            <pc:sldMk cId="1772782941" sldId="264"/>
+            <ac:spMk id="2" creationId="{A7E53E5C-7216-DD40-8209-60C77CBF5E10}"/>
+          </ac:spMkLst>
+        </pc:spChg>
+        <pc:spChg chg="mod ord">
+          <ac:chgData name="Jacinto Mendoza" userId="f5637dde-7468-4c3d-b23b-53be98cdc915" providerId="ADAL" clId="{595357F8-4E06-7648-9B89-0B13353751DA}" dt="2021-11-24T15:56:39.868" v="399" actId="26606"/>
+          <ac:spMkLst>
+            <pc:docMk/>
+            <pc:sldMk cId="1772782941" sldId="264"/>
+            <ac:spMk id="3" creationId="{312ACD5D-531B-7647-B03B-E2CBBDCFA4B3}"/>
+          </ac:spMkLst>
+        </pc:spChg>
+        <pc:spChg chg="add">
+          <ac:chgData name="Jacinto Mendoza" userId="f5637dde-7468-4c3d-b23b-53be98cdc915" providerId="ADAL" clId="{595357F8-4E06-7648-9B89-0B13353751DA}" dt="2021-11-24T15:56:39.868" v="399" actId="26606"/>
+          <ac:spMkLst>
+            <pc:docMk/>
+            <pc:sldMk cId="1772782941" sldId="264"/>
+            <ac:spMk id="13" creationId="{8ABFE404-8D65-4573-A3EF-6DF477936BA3}"/>
+          </ac:spMkLst>
+        </pc:spChg>
+        <pc:picChg chg="del">
+          <ac:chgData name="Jacinto Mendoza" userId="f5637dde-7468-4c3d-b23b-53be98cdc915" providerId="ADAL" clId="{595357F8-4E06-7648-9B89-0B13353751DA}" dt="2021-11-24T15:50:07.763" v="18" actId="478"/>
+          <ac:picMkLst>
+            <pc:docMk/>
+            <pc:sldMk cId="1772782941" sldId="264"/>
+            <ac:picMk id="5" creationId="{198D9FD3-4478-EA46-A40E-9C202C967518}"/>
+          </ac:picMkLst>
+        </pc:picChg>
+        <pc:picChg chg="add mod ord">
+          <ac:chgData name="Jacinto Mendoza" userId="f5637dde-7468-4c3d-b23b-53be98cdc915" providerId="ADAL" clId="{595357F8-4E06-7648-9B89-0B13353751DA}" dt="2021-11-24T15:56:39.868" v="399" actId="26606"/>
+          <ac:picMkLst>
+            <pc:docMk/>
+            <pc:sldMk cId="1772782941" sldId="264"/>
+            <ac:picMk id="6" creationId="{BB491B23-A1BE-7543-BB79-FC3303418E96}"/>
+          </ac:picMkLst>
+        </pc:picChg>
+        <pc:picChg chg="add mod">
+          <ac:chgData name="Jacinto Mendoza" userId="f5637dde-7468-4c3d-b23b-53be98cdc915" providerId="ADAL" clId="{595357F8-4E06-7648-9B89-0B13353751DA}" dt="2021-11-24T15:56:39.868" v="399" actId="26606"/>
+          <ac:picMkLst>
+            <pc:docMk/>
+            <pc:sldMk cId="1772782941" sldId="264"/>
+            <ac:picMk id="8" creationId="{5D40CD78-07E1-814F-8C12-FD5F553C1783}"/>
+          </ac:picMkLst>
+        </pc:picChg>
+        <pc:cxnChg chg="add">
+          <ac:chgData name="Jacinto Mendoza" userId="f5637dde-7468-4c3d-b23b-53be98cdc915" providerId="ADAL" clId="{595357F8-4E06-7648-9B89-0B13353751DA}" dt="2021-11-24T15:56:39.868" v="399" actId="26606"/>
+          <ac:cxnSpMkLst>
+            <pc:docMk/>
+            <pc:sldMk cId="1772782941" sldId="264"/>
+            <ac:cxnSpMk id="15" creationId="{AF5191F1-A1C8-4AEE-8007-DF304E42B15E}"/>
+          </ac:cxnSpMkLst>
+        </pc:cxnChg>
+      </pc:sldChg>
+      <pc:sldChg chg="modSp add mod">
+        <pc:chgData name="Jacinto Mendoza" userId="f5637dde-7468-4c3d-b23b-53be98cdc915" providerId="ADAL" clId="{595357F8-4E06-7648-9B89-0B13353751DA}" dt="2021-11-24T16:00:35.879" v="432" actId="20577"/>
+        <pc:sldMkLst>
+          <pc:docMk/>
+          <pc:sldMk cId="391065705" sldId="265"/>
+        </pc:sldMkLst>
+        <pc:spChg chg="mod">
+          <ac:chgData name="Jacinto Mendoza" userId="f5637dde-7468-4c3d-b23b-53be98cdc915" providerId="ADAL" clId="{595357F8-4E06-7648-9B89-0B13353751DA}" dt="2021-11-24T15:50:00.699" v="6" actId="20577"/>
+          <ac:spMkLst>
+            <pc:docMk/>
+            <pc:sldMk cId="391065705" sldId="265"/>
+            <ac:spMk id="2" creationId="{A7E53E5C-7216-DD40-8209-60C77CBF5E10}"/>
+          </ac:spMkLst>
+        </pc:spChg>
+        <pc:spChg chg="mod">
+          <ac:chgData name="Jacinto Mendoza" userId="f5637dde-7468-4c3d-b23b-53be98cdc915" providerId="ADAL" clId="{595357F8-4E06-7648-9B89-0B13353751DA}" dt="2021-11-24T16:00:35.879" v="432" actId="20577"/>
+          <ac:spMkLst>
+            <pc:docMk/>
+            <pc:sldMk cId="391065705" sldId="265"/>
+            <ac:spMk id="3" creationId="{312ACD5D-531B-7647-B03B-E2CBBDCFA4B3}"/>
+          </ac:spMkLst>
+        </pc:spChg>
+        <pc:picChg chg="mod">
+          <ac:chgData name="Jacinto Mendoza" userId="f5637dde-7468-4c3d-b23b-53be98cdc915" providerId="ADAL" clId="{595357F8-4E06-7648-9B89-0B13353751DA}" dt="2021-11-24T15:53:20.665" v="309" actId="1076"/>
+          <ac:picMkLst>
+            <pc:docMk/>
+            <pc:sldMk cId="391065705" sldId="265"/>
+            <ac:picMk id="5" creationId="{198D9FD3-4478-EA46-A40E-9C202C967518}"/>
+          </ac:picMkLst>
+        </pc:picChg>
+      </pc:sldChg>
+      <pc:sldChg chg="new del">
+        <pc:chgData name="Jacinto Mendoza" userId="f5637dde-7468-4c3d-b23b-53be98cdc915" providerId="ADAL" clId="{595357F8-4E06-7648-9B89-0B13353751DA}" dt="2021-11-24T15:49:38.825" v="1" actId="680"/>
+        <pc:sldMkLst>
+          <pc:docMk/>
+          <pc:sldMk cId="1345952871" sldId="265"/>
+        </pc:sldMkLst>
+      </pc:sldChg>
+      <pc:sldChg chg="add del setBg">
+        <pc:chgData name="Jacinto Mendoza" userId="f5637dde-7468-4c3d-b23b-53be98cdc915" providerId="ADAL" clId="{595357F8-4E06-7648-9B89-0B13353751DA}" dt="2021-11-24T15:49:52.320" v="3"/>
+        <pc:sldMkLst>
+          <pc:docMk/>
+          <pc:sldMk cId="1692395172" sldId="265"/>
+        </pc:sldMkLst>
+      </pc:sldChg>
+    </pc:docChg>
+  </pc:docChgLst>
+</pc:chgInfo>
 </file>
 
 <file path=ppt/slideLayouts/slideLayout1.xml><?xml version="1.0" encoding="utf-8"?>
@@ -268,7 +396,7 @@
           <a:p>
             <a:fld id="{DB6E20F2-13EA-9D4D-81B3-101EE8CDF5D6}" type="datetimeFigureOut">
               <a:rPr lang="en-US" smtClean="0"/>
-              <a:t>11/18/21</a:t>
+              <a:t>11/24/21</a:t>
             </a:fld>
             <a:endParaRPr lang="en-US"/>
           </a:p>
@@ -466,7 +594,7 @@
           <a:p>
             <a:fld id="{DB6E20F2-13EA-9D4D-81B3-101EE8CDF5D6}" type="datetimeFigureOut">
               <a:rPr lang="en-US" smtClean="0"/>
-              <a:t>11/18/21</a:t>
+              <a:t>11/24/21</a:t>
             </a:fld>
             <a:endParaRPr lang="en-US"/>
           </a:p>
@@ -674,7 +802,7 @@
           <a:p>
             <a:fld id="{DB6E20F2-13EA-9D4D-81B3-101EE8CDF5D6}" type="datetimeFigureOut">
               <a:rPr lang="en-US" smtClean="0"/>
-              <a:t>11/18/21</a:t>
+              <a:t>11/24/21</a:t>
             </a:fld>
             <a:endParaRPr lang="en-US"/>
           </a:p>
@@ -872,7 +1000,7 @@
           <a:p>
             <a:fld id="{DB6E20F2-13EA-9D4D-81B3-101EE8CDF5D6}" type="datetimeFigureOut">
               <a:rPr lang="en-US" smtClean="0"/>
-              <a:t>11/18/21</a:t>
+              <a:t>11/24/21</a:t>
             </a:fld>
             <a:endParaRPr lang="en-US"/>
           </a:p>
@@ -1147,7 +1275,7 @@
           <a:p>
             <a:fld id="{DB6E20F2-13EA-9D4D-81B3-101EE8CDF5D6}" type="datetimeFigureOut">
               <a:rPr lang="en-US" smtClean="0"/>
-              <a:t>11/18/21</a:t>
+              <a:t>11/24/21</a:t>
             </a:fld>
             <a:endParaRPr lang="en-US"/>
           </a:p>
@@ -1412,7 +1540,7 @@
           <a:p>
             <a:fld id="{DB6E20F2-13EA-9D4D-81B3-101EE8CDF5D6}" type="datetimeFigureOut">
               <a:rPr lang="en-US" smtClean="0"/>
-              <a:t>11/18/21</a:t>
+              <a:t>11/24/21</a:t>
             </a:fld>
             <a:endParaRPr lang="en-US"/>
           </a:p>
@@ -1824,7 +1952,7 @@
           <a:p>
             <a:fld id="{DB6E20F2-13EA-9D4D-81B3-101EE8CDF5D6}" type="datetimeFigureOut">
               <a:rPr lang="en-US" smtClean="0"/>
-              <a:t>11/18/21</a:t>
+              <a:t>11/24/21</a:t>
             </a:fld>
             <a:endParaRPr lang="en-US"/>
           </a:p>
@@ -1965,7 +2093,7 @@
           <a:p>
             <a:fld id="{DB6E20F2-13EA-9D4D-81B3-101EE8CDF5D6}" type="datetimeFigureOut">
               <a:rPr lang="en-US" smtClean="0"/>
-              <a:t>11/18/21</a:t>
+              <a:t>11/24/21</a:t>
             </a:fld>
             <a:endParaRPr lang="en-US"/>
           </a:p>
@@ -2078,7 +2206,7 @@
           <a:p>
             <a:fld id="{DB6E20F2-13EA-9D4D-81B3-101EE8CDF5D6}" type="datetimeFigureOut">
               <a:rPr lang="en-US" smtClean="0"/>
-              <a:t>11/18/21</a:t>
+              <a:t>11/24/21</a:t>
             </a:fld>
             <a:endParaRPr lang="en-US"/>
           </a:p>
@@ -2389,7 +2517,7 @@
           <a:p>
             <a:fld id="{DB6E20F2-13EA-9D4D-81B3-101EE8CDF5D6}" type="datetimeFigureOut">
               <a:rPr lang="en-US" smtClean="0"/>
-              <a:t>11/18/21</a:t>
+              <a:t>11/24/21</a:t>
             </a:fld>
             <a:endParaRPr lang="en-US"/>
           </a:p>
@@ -2677,7 +2805,7 @@
           <a:p>
             <a:fld id="{DB6E20F2-13EA-9D4D-81B3-101EE8CDF5D6}" type="datetimeFigureOut">
               <a:rPr lang="en-US" smtClean="0"/>
-              <a:t>11/18/21</a:t>
+              <a:t>11/24/21</a:t>
             </a:fld>
             <a:endParaRPr lang="en-US"/>
           </a:p>
@@ -2927,7 +3055,7 @@
           <a:p>
             <a:fld id="{DB6E20F2-13EA-9D4D-81B3-101EE8CDF5D6}" type="datetimeFigureOut">
               <a:rPr lang="en-US" smtClean="0"/>
-              <a:t>11/18/21</a:t>
+              <a:t>11/24/21</a:t>
             </a:fld>
             <a:endParaRPr lang="en-US"/>
           </a:p>
@@ -10703,18 +10831,13 @@
           </a:p>
           <a:p>
             <a:r>
-              <a:rPr lang="en-US" sz="2000">
+              <a:rPr lang="en-US" sz="2000" dirty="0">
                 <a:solidFill>
                   <a:schemeClr val="bg1"/>
                 </a:solidFill>
               </a:rPr>
               <a:t>Placeholder issues</a:t>
             </a:r>
-            <a:endParaRPr lang="en-US" sz="2000" dirty="0">
-              <a:solidFill>
-                <a:schemeClr val="bg1"/>
-              </a:solidFill>
-            </a:endParaRPr>
           </a:p>
         </p:txBody>
       </p:sp>
@@ -10844,6 +10967,322 @@
   <p:cSld>
     <p:bg>
       <p:bgPr>
+        <a:solidFill>
+          <a:schemeClr val="bg1">
+            <a:tint val="95000"/>
+            <a:satMod val="170000"/>
+          </a:schemeClr>
+        </a:solidFill>
+        <a:effectLst/>
+      </p:bgPr>
+    </p:bg>
+    <p:spTree>
+      <p:nvGrpSpPr>
+        <p:cNvPr id="1" name=""/>
+        <p:cNvGrpSpPr/>
+        <p:nvPr/>
+      </p:nvGrpSpPr>
+      <p:grpSpPr>
+        <a:xfrm>
+          <a:off x="0" y="0"/>
+          <a:ext cx="0" cy="0"/>
+          <a:chOff x="0" y="0"/>
+          <a:chExt cx="0" cy="0"/>
+        </a:xfrm>
+      </p:grpSpPr>
+      <p:sp useBgFill="1">
+        <p:nvSpPr>
+          <p:cNvPr id="13" name="Rectangle 12">
+            <a:extLst>
+              <a:ext uri="{FF2B5EF4-FFF2-40B4-BE49-F238E27FC236}">
+                <a16:creationId xmlns:a16="http://schemas.microsoft.com/office/drawing/2014/main" id="{8ABFE404-8D65-4573-A3EF-6DF477936BA3}"/>
+              </a:ext>
+              <a:ext uri="{C183D7F6-B498-43B3-948B-1728B52AA6E4}">
+                <adec:decorative xmlns:adec="http://schemas.microsoft.com/office/drawing/2017/decorative" val="1"/>
+              </a:ext>
+            </a:extLst>
+          </p:cNvPr>
+          <p:cNvSpPr>
+            <a:spLocks noGrp="1" noRot="1" noChangeAspect="1" noMove="1" noResize="1" noEditPoints="1" noAdjustHandles="1" noChangeArrowheads="1" noChangeShapeType="1" noTextEdit="1"/>
+          </p:cNvSpPr>
+          <p:nvPr>
+            <p:extLst>
+              <p:ext uri="{386F3935-93C4-4BCD-93E2-E3B085C9AB24}">
+                <p16:designElem xmlns:p16="http://schemas.microsoft.com/office/powerpoint/2015/main" val="1"/>
+              </p:ext>
+            </p:extLst>
+          </p:nvPr>
+        </p:nvSpPr>
+        <p:spPr>
+          <a:xfrm>
+            <a:off x="0" y="-1"/>
+            <a:ext cx="12192000" cy="6858000"/>
+          </a:xfrm>
+          <a:prstGeom prst="rect">
+            <a:avLst/>
+          </a:prstGeom>
+          <a:ln>
+            <a:noFill/>
+          </a:ln>
+        </p:spPr>
+        <p:style>
+          <a:lnRef idx="2">
+            <a:schemeClr val="accent1">
+              <a:shade val="50000"/>
+            </a:schemeClr>
+          </a:lnRef>
+          <a:fillRef idx="1">
+            <a:schemeClr val="accent1"/>
+          </a:fillRef>
+          <a:effectRef idx="0">
+            <a:schemeClr val="accent1"/>
+          </a:effectRef>
+          <a:fontRef idx="minor">
+            <a:schemeClr val="lt1"/>
+          </a:fontRef>
+        </p:style>
+        <p:txBody>
+          <a:bodyPr rtlCol="0" anchor="ctr"/>
+          <a:lstStyle/>
+          <a:p>
+            <a:pPr marL="0" marR="0" lvl="0" indent="0" algn="ctr" defTabSz="914400" rtl="0" eaLnBrk="1" fontAlgn="auto" latinLnBrk="0" hangingPunct="1">
+              <a:lnSpc>
+                <a:spcPct val="100000"/>
+              </a:lnSpc>
+              <a:spcBef>
+                <a:spcPts val="0"/>
+              </a:spcBef>
+              <a:spcAft>
+                <a:spcPts val="0"/>
+              </a:spcAft>
+              <a:buClrTx/>
+              <a:buSzTx/>
+              <a:buFontTx/>
+              <a:buNone/>
+              <a:tabLst/>
+              <a:defRPr/>
+            </a:pPr>
+            <a:endParaRPr kumimoji="0" lang="en-US" sz="1800" b="0" i="0" u="none" strike="noStrike" kern="1200" cap="none" spc="0" normalizeH="0" baseline="0" noProof="0">
+              <a:ln>
+                <a:noFill/>
+              </a:ln>
+              <a:solidFill>
+                <a:prstClr val="white"/>
+              </a:solidFill>
+              <a:effectLst/>
+              <a:uLnTx/>
+              <a:uFillTx/>
+              <a:latin typeface="Tw Cen MT" panose="020B0602020104020603"/>
+              <a:ea typeface="+mn-ea"/>
+              <a:cs typeface="+mn-cs"/>
+            </a:endParaRPr>
+          </a:p>
+        </p:txBody>
+      </p:sp>
+      <p:sp>
+        <p:nvSpPr>
+          <p:cNvPr id="2" name="Title 1">
+            <a:extLst>
+              <a:ext uri="{FF2B5EF4-FFF2-40B4-BE49-F238E27FC236}">
+                <a16:creationId xmlns:a16="http://schemas.microsoft.com/office/drawing/2014/main" id="{A7E53E5C-7216-DD40-8209-60C77CBF5E10}"/>
+              </a:ext>
+            </a:extLst>
+          </p:cNvPr>
+          <p:cNvSpPr>
+            <a:spLocks noGrp="1"/>
+          </p:cNvSpPr>
+          <p:nvPr>
+            <p:ph type="title"/>
+          </p:nvPr>
+        </p:nvSpPr>
+        <p:spPr>
+          <a:xfrm>
+            <a:off x="673749" y="4610244"/>
+            <a:ext cx="3649703" cy="1714500"/>
+          </a:xfrm>
+        </p:spPr>
+        <p:txBody>
+          <a:bodyPr>
+            <a:normAutofit/>
+          </a:bodyPr>
+          <a:lstStyle/>
+          <a:p>
+            <a:r>
+              <a:rPr lang="en-US" sz="2800"/>
+              <a:t>Additional Features</a:t>
+            </a:r>
+          </a:p>
+        </p:txBody>
+      </p:sp>
+      <p:pic>
+        <p:nvPicPr>
+          <p:cNvPr id="8" name="Picture 7" descr="A picture containing graphical user interface&#10;&#10;Description automatically generated">
+            <a:extLst>
+              <a:ext uri="{FF2B5EF4-FFF2-40B4-BE49-F238E27FC236}">
+                <a16:creationId xmlns:a16="http://schemas.microsoft.com/office/drawing/2014/main" id="{5D40CD78-07E1-814F-8C12-FD5F553C1783}"/>
+              </a:ext>
+            </a:extLst>
+          </p:cNvPr>
+          <p:cNvPicPr>
+            <a:picLocks noChangeAspect="1"/>
+          </p:cNvPicPr>
+          <p:nvPr/>
+        </p:nvPicPr>
+        <p:blipFill rotWithShape="1">
+          <a:blip r:embed="rId2"/>
+          <a:srcRect t="14052" r="1" b="11278"/>
+          <a:stretch/>
+        </p:blipFill>
+        <p:spPr>
+          <a:xfrm>
+            <a:off x="673749" y="370320"/>
+            <a:ext cx="3716238" cy="4051011"/>
+          </a:xfrm>
+          <a:prstGeom prst="rect">
+            <a:avLst/>
+          </a:prstGeom>
+        </p:spPr>
+      </p:pic>
+      <p:pic>
+        <p:nvPicPr>
+          <p:cNvPr id="6" name="Picture 5" descr="A picture containing text, grass, dog, lawn&#10;&#10;Description automatically generated">
+            <a:extLst>
+              <a:ext uri="{FF2B5EF4-FFF2-40B4-BE49-F238E27FC236}">
+                <a16:creationId xmlns:a16="http://schemas.microsoft.com/office/drawing/2014/main" id="{BB491B23-A1BE-7543-BB79-FC3303418E96}"/>
+              </a:ext>
+            </a:extLst>
+          </p:cNvPr>
+          <p:cNvPicPr>
+            <a:picLocks noChangeAspect="1"/>
+          </p:cNvPicPr>
+          <p:nvPr/>
+        </p:nvPicPr>
+        <p:blipFill rotWithShape="1">
+          <a:blip r:embed="rId3"/>
+          <a:srcRect r="7271" b="-2"/>
+          <a:stretch/>
+        </p:blipFill>
+        <p:spPr>
+          <a:xfrm>
+            <a:off x="4719344" y="370320"/>
+            <a:ext cx="6798905" cy="4051011"/>
+          </a:xfrm>
+          <a:prstGeom prst="rect">
+            <a:avLst/>
+          </a:prstGeom>
+        </p:spPr>
+      </p:pic>
+      <p:cxnSp>
+        <p:nvCxnSpPr>
+          <p:cNvPr id="15" name="Straight Connector 14">
+            <a:extLst>
+              <a:ext uri="{FF2B5EF4-FFF2-40B4-BE49-F238E27FC236}">
+                <a16:creationId xmlns:a16="http://schemas.microsoft.com/office/drawing/2014/main" id="{AF5191F1-A1C8-4AEE-8007-DF304E42B15E}"/>
+              </a:ext>
+              <a:ext uri="{C183D7F6-B498-43B3-948B-1728B52AA6E4}">
+                <adec:decorative xmlns:adec="http://schemas.microsoft.com/office/drawing/2017/decorative" val="1"/>
+              </a:ext>
+            </a:extLst>
+          </p:cNvPr>
+          <p:cNvCxnSpPr>
+            <a:cxnSpLocks noGrp="1" noRot="1" noChangeAspect="1" noMove="1" noResize="1" noEditPoints="1" noAdjustHandles="1" noChangeArrowheads="1" noChangeShapeType="1"/>
+          </p:cNvCxnSpPr>
+          <p:nvPr>
+            <p:extLst>
+              <p:ext uri="{386F3935-93C4-4BCD-93E2-E3B085C9AB24}">
+                <p16:designElem xmlns:p16="http://schemas.microsoft.com/office/powerpoint/2015/main" val="1"/>
+              </p:ext>
+            </p:extLst>
+          </p:nvPr>
+        </p:nvCxnSpPr>
+        <p:spPr>
+          <a:xfrm>
+            <a:off x="4547363" y="4750763"/>
+            <a:ext cx="0" cy="1371600"/>
+          </a:xfrm>
+          <a:prstGeom prst="line">
+            <a:avLst/>
+          </a:prstGeom>
+          <a:ln w="15875">
+            <a:solidFill>
+              <a:schemeClr val="tx1"/>
+            </a:solidFill>
+          </a:ln>
+        </p:spPr>
+        <p:style>
+          <a:lnRef idx="1">
+            <a:schemeClr val="accent1"/>
+          </a:lnRef>
+          <a:fillRef idx="0">
+            <a:schemeClr val="accent1"/>
+          </a:fillRef>
+          <a:effectRef idx="0">
+            <a:schemeClr val="accent1"/>
+          </a:effectRef>
+          <a:fontRef idx="minor">
+            <a:schemeClr val="tx1"/>
+          </a:fontRef>
+        </p:style>
+      </p:cxnSp>
+      <p:sp>
+        <p:nvSpPr>
+          <p:cNvPr id="3" name="Content Placeholder 2">
+            <a:extLst>
+              <a:ext uri="{FF2B5EF4-FFF2-40B4-BE49-F238E27FC236}">
+                <a16:creationId xmlns:a16="http://schemas.microsoft.com/office/drawing/2014/main" id="{312ACD5D-531B-7647-B03B-E2CBBDCFA4B3}"/>
+              </a:ext>
+            </a:extLst>
+          </p:cNvPr>
+          <p:cNvSpPr>
+            <a:spLocks noGrp="1"/>
+          </p:cNvSpPr>
+          <p:nvPr>
+            <p:ph idx="1"/>
+          </p:nvPr>
+        </p:nvSpPr>
+        <p:spPr>
+          <a:xfrm>
+            <a:off x="4793019" y="4610244"/>
+            <a:ext cx="6725232" cy="1714500"/>
+          </a:xfrm>
+        </p:spPr>
+        <p:txBody>
+          <a:bodyPr anchor="ctr">
+            <a:normAutofit/>
+          </a:bodyPr>
+          <a:lstStyle/>
+          <a:p>
+            <a:r>
+              <a:rPr lang="en-US" sz="1700"/>
+              <a:t>Added a bookmark feature that highlights a dog</a:t>
+            </a:r>
+          </a:p>
+          <a:p>
+            <a:r>
+              <a:rPr lang="en-US" sz="1700"/>
+              <a:t>Created a filter to group breed groups together</a:t>
+            </a:r>
+          </a:p>
+        </p:txBody>
+      </p:sp>
+    </p:spTree>
+    <p:extLst>
+      <p:ext uri="{BB962C8B-B14F-4D97-AF65-F5344CB8AC3E}">
+        <p14:creationId xmlns:p14="http://schemas.microsoft.com/office/powerpoint/2010/main" val="1772782941"/>
+      </p:ext>
+    </p:extLst>
+  </p:cSld>
+  <p:clrMapOvr>
+    <a:overrideClrMapping bg1="dk1" tx1="lt1" bg2="dk2" tx2="lt2" accent1="accent1" accent2="accent2" accent3="accent3" accent4="accent4" accent5="accent5" accent6="accent6" hlink="hlink" folHlink="folHlink"/>
+  </p:clrMapOvr>
+</p:sld>
+</file>
+
+<file path=ppt/slides/slide7.xml><?xml version="1.0" encoding="utf-8"?>
+<p:sld xmlns:a="http://schemas.openxmlformats.org/drawingml/2006/main" xmlns:r="http://schemas.openxmlformats.org/officeDocument/2006/relationships" xmlns:p="http://schemas.openxmlformats.org/presentationml/2006/main">
+  <p:cSld>
+    <p:bg>
+      <p:bgPr>
         <a:blipFill dpi="0" rotWithShape="1">
           <a:blip r:embed="rId2">
             <a:lum/>
@@ -10963,7 +11402,7 @@
                   <a:schemeClr val="bg1"/>
                 </a:solidFill>
               </a:rPr>
-              <a:t>Create a “shopping cart” of dogs</a:t>
+              <a:t>Create a recommended list of dogs per client</a:t>
             </a:r>
           </a:p>
           <a:p>
@@ -10973,7 +11412,27 @@
                   <a:schemeClr val="bg1"/>
                 </a:solidFill>
               </a:rPr>
-              <a:t>Add filter and search options w/API</a:t>
+              <a:t>Connect the application with a database (MongoDB)</a:t>
+            </a:r>
+          </a:p>
+          <a:p>
+            <a:r>
+              <a:rPr lang="en-US" dirty="0">
+                <a:solidFill>
+                  <a:schemeClr val="bg1"/>
+                </a:solidFill>
+              </a:rPr>
+              <a:t>Publish the website</a:t>
+            </a:r>
+          </a:p>
+          <a:p>
+            <a:r>
+              <a:rPr lang="en-US" dirty="0">
+                <a:solidFill>
+                  <a:schemeClr val="bg1"/>
+                </a:solidFill>
+              </a:rPr>
+              <a:t>Add animation to bookmarking</a:t>
             </a:r>
           </a:p>
         </p:txBody>
@@ -11006,8 +11465,8 @@
         </p:blipFill>
         <p:spPr>
           <a:xfrm>
-            <a:off x="5642161" y="1690688"/>
-            <a:ext cx="5935756" cy="5935756"/>
+            <a:off x="6880459" y="2948151"/>
+            <a:ext cx="4473341" cy="4473341"/>
           </a:xfrm>
           <a:prstGeom prst="rect">
             <a:avLst/>
@@ -11017,7 +11476,7 @@
     </p:spTree>
     <p:extLst>
       <p:ext uri="{BB962C8B-B14F-4D97-AF65-F5344CB8AC3E}">
-        <p14:creationId xmlns:p14="http://schemas.microsoft.com/office/powerpoint/2010/main" val="1772782941"/>
+        <p14:creationId xmlns:p14="http://schemas.microsoft.com/office/powerpoint/2010/main" val="391065705"/>
       </p:ext>
     </p:extLst>
   </p:cSld>
@@ -11027,7 +11486,7 @@
 </p:sld>
 </file>
 
-<file path=ppt/slides/slide7.xml><?xml version="1.0" encoding="utf-8"?>
+<file path=ppt/slides/slide8.xml><?xml version="1.0" encoding="utf-8"?>
 <p:sld xmlns:a="http://schemas.openxmlformats.org/drawingml/2006/main" xmlns:r="http://schemas.openxmlformats.org/officeDocument/2006/relationships" xmlns:p="http://schemas.openxmlformats.org/presentationml/2006/main">
   <p:cSld>
     <p:bg>
